--- a/Ankit Pushpam_Bay Area Analysis.pptx
+++ b/Ankit Pushpam_Bay Area Analysis.pptx
@@ -271,8 +271,11 @@
     </a:lvl9pPr>
   </p:defaultTextStyle>
   <p:extLst>
+    <p:ext uri="{EFAFB233-063F-42B5-8137-9DF3F51BA10A}">
+      <p15:sldGuideLst xmlns:p15="http://schemas.microsoft.com/office/powerpoint/2012/main"/>
+    </p:ext>
     <p:ext uri="http://customooxmlschemas.google.com/">
-      <go:slidesCustomData xmlns:go="http://customooxmlschemas.google.com/" xmlns:p15="http://schemas.microsoft.com/office/powerpoint/2012/main" xmlns:p14="http://schemas.microsoft.com/office/powerpoint/2010/main" xmlns:com="http://schemas.openxmlformats.org/drawingml/2006/compatibility" xmlns:pvml="urn:schemas-microsoft-com:office:powerpoint" xmlns:v="urn:schemas-microsoft-com:vml" xmlns:o="urn:schemas-microsoft-com:office:office" xmlns:dgm="http://schemas.openxmlformats.org/drawingml/2006/diagram" xmlns:c="http://schemas.openxmlformats.org/drawingml/2006/chart" xmlns:mv="urn:schemas-microsoft-com:mac:vml" xmlns:mc="http://schemas.openxmlformats.org/markup-compatibility/2006" xmlns="" r:id="rId38" roundtripDataSignature="AMtx7mht9dhWdbJN03bHmQT9xo3GKyPMig=="/>
+      <go:slidesCustomData xmlns="" xmlns:mc="http://schemas.openxmlformats.org/markup-compatibility/2006" xmlns:mv="urn:schemas-microsoft-com:mac:vml" xmlns:c="http://schemas.openxmlformats.org/drawingml/2006/chart" xmlns:dgm="http://schemas.openxmlformats.org/drawingml/2006/diagram" xmlns:o="urn:schemas-microsoft-com:office:office" xmlns:v="urn:schemas-microsoft-com:vml" xmlns:pvml="urn:schemas-microsoft-com:office:powerpoint" xmlns:com="http://schemas.openxmlformats.org/drawingml/2006/compatibility" xmlns:p14="http://schemas.microsoft.com/office/powerpoint/2010/main" xmlns:p15="http://schemas.microsoft.com/office/powerpoint/2012/main" xmlns:go="http://customooxmlschemas.google.com/" r:id="rId38" roundtripDataSignature="AMtx7mht9dhWdbJN03bHmQT9xo3GKyPMig=="/>
     </p:ext>
   </p:extLst>
 </p:presentation>
@@ -10253,7 +10256,7 @@
             </a:pPr>
             <a:r>
               <a:rPr lang="en" dirty="0"/>
-              <a:t>Bay Area Real Estate Market Analysis</a:t>
+              <a:t>Hayward Area Real Estate Market Analysis</a:t>
             </a:r>
             <a:endParaRPr dirty="0"/>
           </a:p>
@@ -10290,13 +10293,6 @@
             <a:r>
               <a:rPr lang="en-IN" sz="1800" dirty="0"/>
               <a:t>Ankit Pushpam </a:t>
-            </a:r>
-            <a:br>
-              <a:rPr lang="en-IN" sz="1800" dirty="0"/>
-            </a:br>
-            <a:r>
-              <a:rPr lang="en-IN" sz="1800" dirty="0"/>
-              <a:t>Group #3</a:t>
             </a:r>
             <a:endParaRPr sz="1800" dirty="0"/>
           </a:p>
